--- a/documents/view-master.pptx
+++ b/documents/view-master.pptx
@@ -1,15 +1,40 @@
 
 <file path=ppt/presentation.xml><?xml version="1.0" encoding="utf-8"?>
-<p:presentation xmlns:a="http://schemas.openxmlformats.org/drawingml/2006/main" xmlns:r="http://schemas.openxmlformats.org/officeDocument/2006/relationships" xmlns:p="http://schemas.openxmlformats.org/presentationml/2006/main" saveSubsetFonts="1">
+<p:presentation xmlns:a="http://schemas.openxmlformats.org/drawingml/2006/main" xmlns:r="http://schemas.openxmlformats.org/officeDocument/2006/relationships" xmlns:p="http://schemas.openxmlformats.org/presentationml/2006/main" embedTrueTypeFonts="1">
   <p:sldMasterIdLst>
     <p:sldMasterId id="2147483648" r:id="rId1"/>
   </p:sldMasterIdLst>
   <p:sldIdLst>
     <p:sldId id="256" r:id="rId2"/>
     <p:sldId id="257" r:id="rId3"/>
+    <p:sldId id="258" r:id="rId4"/>
+    <p:sldId id="259" r:id="rId5"/>
   </p:sldIdLst>
   <p:sldSz cx="12192000" cy="6858000"/>
   <p:notesSz cx="6858000" cy="9144000"/>
+  <p:embeddedFontLst>
+    <p:embeddedFont>
+      <p:font typeface="Calibri" panose="020F0502020204030204" pitchFamily="34" charset="0"/>
+      <p:regular r:id="rId6"/>
+      <p:bold r:id="rId7"/>
+      <p:italic r:id="rId8"/>
+      <p:boldItalic r:id="rId9"/>
+    </p:embeddedFont>
+    <p:embeddedFont>
+      <p:font typeface="Calibri Light" panose="020F0302020204030204" pitchFamily="34" charset="0"/>
+      <p:regular r:id="rId10"/>
+      <p:italic r:id="rId11"/>
+    </p:embeddedFont>
+    <p:embeddedFont>
+      <p:font typeface="Jost Bold" pitchFamily="2" charset="-52"/>
+      <p:bold r:id="rId12"/>
+    </p:embeddedFont>
+    <p:embeddedFont>
+      <p:font typeface="Jost SemiBold" pitchFamily="2" charset="-52"/>
+      <p:bold r:id="rId13"/>
+      <p:boldItalic r:id="rId14"/>
+    </p:embeddedFont>
+  </p:embeddedFontLst>
   <p:defaultTextStyle>
     <a:defPPr>
       <a:defRPr lang="ru-RU"/>
@@ -105,6 +130,11 @@
       </a:defRPr>
     </a:lvl9pPr>
   </p:defaultTextStyle>
+  <p:extLst>
+    <p:ext uri="{EFAFB233-063F-42B5-8137-9DF3F51BA10A}">
+      <p15:sldGuideLst xmlns:p15="http://schemas.microsoft.com/office/powerpoint/2012/main"/>
+    </p:ext>
+  </p:extLst>
 </p:presentation>
 </file>
 
@@ -255,7 +285,7 @@
           <a:p>
             <a:fld id="{F673869A-CDC8-4868-801F-3F0C9FDC4B13}" type="datetimeFigureOut">
               <a:rPr lang="ru-RU" smtClean="0"/>
-              <a:t>11.05.2020</a:t>
+              <a:t>12.05.2020</a:t>
             </a:fld>
             <a:endParaRPr lang="ru-RU"/>
           </a:p>
@@ -453,7 +483,7 @@
           <a:p>
             <a:fld id="{F673869A-CDC8-4868-801F-3F0C9FDC4B13}" type="datetimeFigureOut">
               <a:rPr lang="ru-RU" smtClean="0"/>
-              <a:t>11.05.2020</a:t>
+              <a:t>12.05.2020</a:t>
             </a:fld>
             <a:endParaRPr lang="ru-RU"/>
           </a:p>
@@ -661,7 +691,7 @@
           <a:p>
             <a:fld id="{F673869A-CDC8-4868-801F-3F0C9FDC4B13}" type="datetimeFigureOut">
               <a:rPr lang="ru-RU" smtClean="0"/>
-              <a:t>11.05.2020</a:t>
+              <a:t>12.05.2020</a:t>
             </a:fld>
             <a:endParaRPr lang="ru-RU"/>
           </a:p>
@@ -859,7 +889,7 @@
           <a:p>
             <a:fld id="{F673869A-CDC8-4868-801F-3F0C9FDC4B13}" type="datetimeFigureOut">
               <a:rPr lang="ru-RU" smtClean="0"/>
-              <a:t>11.05.2020</a:t>
+              <a:t>12.05.2020</a:t>
             </a:fld>
             <a:endParaRPr lang="ru-RU"/>
           </a:p>
@@ -1134,7 +1164,7 @@
           <a:p>
             <a:fld id="{F673869A-CDC8-4868-801F-3F0C9FDC4B13}" type="datetimeFigureOut">
               <a:rPr lang="ru-RU" smtClean="0"/>
-              <a:t>11.05.2020</a:t>
+              <a:t>12.05.2020</a:t>
             </a:fld>
             <a:endParaRPr lang="ru-RU"/>
           </a:p>
@@ -1399,7 +1429,7 @@
           <a:p>
             <a:fld id="{F673869A-CDC8-4868-801F-3F0C9FDC4B13}" type="datetimeFigureOut">
               <a:rPr lang="ru-RU" smtClean="0"/>
-              <a:t>11.05.2020</a:t>
+              <a:t>12.05.2020</a:t>
             </a:fld>
             <a:endParaRPr lang="ru-RU"/>
           </a:p>
@@ -1811,7 +1841,7 @@
           <a:p>
             <a:fld id="{F673869A-CDC8-4868-801F-3F0C9FDC4B13}" type="datetimeFigureOut">
               <a:rPr lang="ru-RU" smtClean="0"/>
-              <a:t>11.05.2020</a:t>
+              <a:t>12.05.2020</a:t>
             </a:fld>
             <a:endParaRPr lang="ru-RU"/>
           </a:p>
@@ -1952,7 +1982,7 @@
           <a:p>
             <a:fld id="{F673869A-CDC8-4868-801F-3F0C9FDC4B13}" type="datetimeFigureOut">
               <a:rPr lang="ru-RU" smtClean="0"/>
-              <a:t>11.05.2020</a:t>
+              <a:t>12.05.2020</a:t>
             </a:fld>
             <a:endParaRPr lang="ru-RU"/>
           </a:p>
@@ -2065,7 +2095,7 @@
           <a:p>
             <a:fld id="{F673869A-CDC8-4868-801F-3F0C9FDC4B13}" type="datetimeFigureOut">
               <a:rPr lang="ru-RU" smtClean="0"/>
-              <a:t>11.05.2020</a:t>
+              <a:t>12.05.2020</a:t>
             </a:fld>
             <a:endParaRPr lang="ru-RU"/>
           </a:p>
@@ -2376,7 +2406,7 @@
           <a:p>
             <a:fld id="{F673869A-CDC8-4868-801F-3F0C9FDC4B13}" type="datetimeFigureOut">
               <a:rPr lang="ru-RU" smtClean="0"/>
-              <a:t>11.05.2020</a:t>
+              <a:t>12.05.2020</a:t>
             </a:fld>
             <a:endParaRPr lang="ru-RU"/>
           </a:p>
@@ -2664,7 +2694,7 @@
           <a:p>
             <a:fld id="{F673869A-CDC8-4868-801F-3F0C9FDC4B13}" type="datetimeFigureOut">
               <a:rPr lang="ru-RU" smtClean="0"/>
-              <a:t>11.05.2020</a:t>
+              <a:t>12.05.2020</a:t>
             </a:fld>
             <a:endParaRPr lang="ru-RU"/>
           </a:p>
@@ -2905,7 +2935,7 @@
           <a:p>
             <a:fld id="{F673869A-CDC8-4868-801F-3F0C9FDC4B13}" type="datetimeFigureOut">
               <a:rPr lang="ru-RU" smtClean="0"/>
-              <a:t>11.05.2020</a:t>
+              <a:t>12.05.2020</a:t>
             </a:fld>
             <a:endParaRPr lang="ru-RU"/>
           </a:p>
@@ -3481,10 +3511,364 @@
           </a:prstGeom>
         </p:spPr>
       </p:pic>
+      <p:sp>
+        <p:nvSpPr>
+          <p:cNvPr id="3" name="TextBox 2">
+            <a:extLst>
+              <a:ext uri="{FF2B5EF4-FFF2-40B4-BE49-F238E27FC236}">
+                <a16:creationId xmlns:a16="http://schemas.microsoft.com/office/drawing/2014/main" id="{79FE48A0-F688-4EBA-A61F-C6E3D10F57BC}"/>
+              </a:ext>
+            </a:extLst>
+          </p:cNvPr>
+          <p:cNvSpPr txBox="1"/>
+          <p:nvPr/>
+        </p:nvSpPr>
+        <p:spPr>
+          <a:xfrm>
+            <a:off x="861645" y="1536174"/>
+            <a:ext cx="9636370" cy="3785652"/>
+          </a:xfrm>
+          <a:prstGeom prst="rect">
+            <a:avLst/>
+          </a:prstGeom>
+          <a:noFill/>
+        </p:spPr>
+        <p:txBody>
+          <a:bodyPr wrap="square" rtlCol="0">
+            <a:spAutoFit/>
+          </a:bodyPr>
+          <a:lstStyle/>
+          <a:p>
+            <a:r>
+              <a:rPr lang="ru-RU" sz="4000" dirty="0">
+                <a:latin typeface="Jost SemiBold" pitchFamily="2" charset="-52"/>
+                <a:ea typeface="Jost SemiBold" pitchFamily="2" charset="-52"/>
+              </a:rPr>
+              <a:t>Проект представляет собой форум, на котором реализованы регистрация пользователей, создание и хранение дискуссий и ответов. Можно менять аватарки, создавать и кастомизировать теги! Реализован поиск по заголовкам.</a:t>
+            </a:r>
+          </a:p>
+        </p:txBody>
+      </p:sp>
     </p:spTree>
     <p:extLst>
       <p:ext uri="{BB962C8B-B14F-4D97-AF65-F5344CB8AC3E}">
         <p14:creationId xmlns:p14="http://schemas.microsoft.com/office/powerpoint/2010/main" val="4215060682"/>
+      </p:ext>
+    </p:extLst>
+  </p:cSld>
+  <p:clrMapOvr>
+    <a:masterClrMapping/>
+  </p:clrMapOvr>
+</p:sld>
+</file>
+
+<file path=ppt/slides/slide3.xml><?xml version="1.0" encoding="utf-8"?>
+<p:sld xmlns:a="http://schemas.openxmlformats.org/drawingml/2006/main" xmlns:r="http://schemas.openxmlformats.org/officeDocument/2006/relationships" xmlns:p="http://schemas.openxmlformats.org/presentationml/2006/main">
+  <p:cSld>
+    <p:spTree>
+      <p:nvGrpSpPr>
+        <p:cNvPr id="1" name=""/>
+        <p:cNvGrpSpPr/>
+        <p:nvPr/>
+      </p:nvGrpSpPr>
+      <p:grpSpPr>
+        <a:xfrm>
+          <a:off x="0" y="0"/>
+          <a:ext cx="0" cy="0"/>
+          <a:chOff x="0" y="0"/>
+          <a:chExt cx="0" cy="0"/>
+        </a:xfrm>
+      </p:grpSpPr>
+      <p:pic>
+        <p:nvPicPr>
+          <p:cNvPr id="2" name="Рисунок 1">
+            <a:extLst>
+              <a:ext uri="{FF2B5EF4-FFF2-40B4-BE49-F238E27FC236}">
+                <a16:creationId xmlns:a16="http://schemas.microsoft.com/office/drawing/2014/main" id="{5E53CEC4-9451-4DAA-A7A2-D601E22B64EA}"/>
+              </a:ext>
+            </a:extLst>
+          </p:cNvPr>
+          <p:cNvPicPr>
+            <a:picLocks noChangeAspect="1"/>
+          </p:cNvPicPr>
+          <p:nvPr/>
+        </p:nvPicPr>
+        <p:blipFill>
+          <a:blip r:embed="rId2"/>
+          <a:stretch>
+            <a:fillRect/>
+          </a:stretch>
+        </p:blipFill>
+        <p:spPr>
+          <a:xfrm>
+            <a:off x="0" y="0"/>
+            <a:ext cx="12192000" cy="6858000"/>
+          </a:xfrm>
+          <a:prstGeom prst="rect">
+            <a:avLst/>
+          </a:prstGeom>
+        </p:spPr>
+      </p:pic>
+      <p:sp>
+        <p:nvSpPr>
+          <p:cNvPr id="3" name="TextBox 2">
+            <a:extLst>
+              <a:ext uri="{FF2B5EF4-FFF2-40B4-BE49-F238E27FC236}">
+                <a16:creationId xmlns:a16="http://schemas.microsoft.com/office/drawing/2014/main" id="{89FF86C3-B775-408F-B133-D4C491C99CD1}"/>
+              </a:ext>
+            </a:extLst>
+          </p:cNvPr>
+          <p:cNvSpPr txBox="1"/>
+          <p:nvPr/>
+        </p:nvSpPr>
+        <p:spPr>
+          <a:xfrm rot="912540">
+            <a:off x="5758960" y="1512276"/>
+            <a:ext cx="5335115" cy="646331"/>
+          </a:xfrm>
+          <a:prstGeom prst="rect">
+            <a:avLst/>
+          </a:prstGeom>
+          <a:noFill/>
+        </p:spPr>
+        <p:txBody>
+          <a:bodyPr wrap="none" rtlCol="0">
+            <a:spAutoFit/>
+          </a:bodyPr>
+          <a:lstStyle/>
+          <a:p>
+            <a:r>
+              <a:rPr lang="ru-RU" sz="3600" dirty="0">
+                <a:solidFill>
+                  <a:schemeClr val="bg1"/>
+                </a:solidFill>
+                <a:latin typeface="Jost SemiBold" pitchFamily="2" charset="-52"/>
+                <a:ea typeface="Jost SemiBold" pitchFamily="2" charset="-52"/>
+              </a:rPr>
+              <a:t>Поддержка </a:t>
+            </a:r>
+            <a:r>
+              <a:rPr lang="en-US" sz="3600" dirty="0">
+                <a:solidFill>
+                  <a:schemeClr val="bg1"/>
+                </a:solidFill>
+                <a:latin typeface="Jost SemiBold" pitchFamily="2" charset="-52"/>
+                <a:ea typeface="Jost SemiBold" pitchFamily="2" charset="-52"/>
+              </a:rPr>
+              <a:t>Markdown!</a:t>
+            </a:r>
+            <a:endParaRPr lang="ru-RU" sz="3600" dirty="0">
+              <a:solidFill>
+                <a:schemeClr val="bg1"/>
+              </a:solidFill>
+              <a:latin typeface="Jost SemiBold" pitchFamily="2" charset="-52"/>
+              <a:ea typeface="Jost SemiBold" pitchFamily="2" charset="-52"/>
+            </a:endParaRPr>
+          </a:p>
+        </p:txBody>
+      </p:sp>
+      <p:sp>
+        <p:nvSpPr>
+          <p:cNvPr id="4" name="TextBox 3">
+            <a:extLst>
+              <a:ext uri="{FF2B5EF4-FFF2-40B4-BE49-F238E27FC236}">
+                <a16:creationId xmlns:a16="http://schemas.microsoft.com/office/drawing/2014/main" id="{30A48782-0E04-4269-9C0F-D4AD9C0F0464}"/>
+              </a:ext>
+            </a:extLst>
+          </p:cNvPr>
+          <p:cNvSpPr txBox="1"/>
+          <p:nvPr/>
+        </p:nvSpPr>
+        <p:spPr>
+          <a:xfrm rot="844495">
+            <a:off x="3597461" y="2546890"/>
+            <a:ext cx="7614585" cy="523220"/>
+          </a:xfrm>
+          <a:prstGeom prst="rect">
+            <a:avLst/>
+          </a:prstGeom>
+          <a:noFill/>
+        </p:spPr>
+        <p:txBody>
+          <a:bodyPr wrap="none" rtlCol="0">
+            <a:spAutoFit/>
+          </a:bodyPr>
+          <a:lstStyle/>
+          <a:p>
+            <a:r>
+              <a:rPr lang="ru-RU" sz="2800" dirty="0">
+                <a:solidFill>
+                  <a:schemeClr val="bg1"/>
+                </a:solidFill>
+                <a:latin typeface="Jost SemiBold" pitchFamily="2" charset="-52"/>
+                <a:ea typeface="Jost SemiBold" pitchFamily="2" charset="-52"/>
+              </a:rPr>
+              <a:t>Удобный дизайн, сделанный без </a:t>
+            </a:r>
+            <a:r>
+              <a:rPr lang="en-US" sz="2800" dirty="0">
+                <a:solidFill>
+                  <a:schemeClr val="bg1"/>
+                </a:solidFill>
+                <a:latin typeface="Jost SemiBold" pitchFamily="2" charset="-52"/>
+                <a:ea typeface="Jost SemiBold" pitchFamily="2" charset="-52"/>
+              </a:rPr>
+              <a:t>bootstrap</a:t>
+            </a:r>
+            <a:endParaRPr lang="ru-RU" sz="2800" dirty="0">
+              <a:solidFill>
+                <a:schemeClr val="bg1"/>
+              </a:solidFill>
+              <a:latin typeface="Jost SemiBold" pitchFamily="2" charset="-52"/>
+              <a:ea typeface="Jost SemiBold" pitchFamily="2" charset="-52"/>
+            </a:endParaRPr>
+          </a:p>
+        </p:txBody>
+      </p:sp>
+    </p:spTree>
+    <p:extLst>
+      <p:ext uri="{BB962C8B-B14F-4D97-AF65-F5344CB8AC3E}">
+        <p14:creationId xmlns:p14="http://schemas.microsoft.com/office/powerpoint/2010/main" val="4233413724"/>
+      </p:ext>
+    </p:extLst>
+  </p:cSld>
+  <p:clrMapOvr>
+    <a:masterClrMapping/>
+  </p:clrMapOvr>
+</p:sld>
+</file>
+
+<file path=ppt/slides/slide4.xml><?xml version="1.0" encoding="utf-8"?>
+<p:sld xmlns:a="http://schemas.openxmlformats.org/drawingml/2006/main" xmlns:r="http://schemas.openxmlformats.org/officeDocument/2006/relationships" xmlns:p="http://schemas.openxmlformats.org/presentationml/2006/main">
+  <p:cSld>
+    <p:spTree>
+      <p:nvGrpSpPr>
+        <p:cNvPr id="1" name=""/>
+        <p:cNvGrpSpPr/>
+        <p:nvPr/>
+      </p:nvGrpSpPr>
+      <p:grpSpPr>
+        <a:xfrm>
+          <a:off x="0" y="0"/>
+          <a:ext cx="0" cy="0"/>
+          <a:chOff x="0" y="0"/>
+          <a:chExt cx="0" cy="0"/>
+        </a:xfrm>
+      </p:grpSpPr>
+      <p:sp>
+        <p:nvSpPr>
+          <p:cNvPr id="2" name="TextBox 1">
+            <a:extLst>
+              <a:ext uri="{FF2B5EF4-FFF2-40B4-BE49-F238E27FC236}">
+                <a16:creationId xmlns:a16="http://schemas.microsoft.com/office/drawing/2014/main" id="{84650C75-D1C1-445D-BCA3-82F7DD714E58}"/>
+              </a:ext>
+            </a:extLst>
+          </p:cNvPr>
+          <p:cNvSpPr txBox="1"/>
+          <p:nvPr/>
+        </p:nvSpPr>
+        <p:spPr>
+          <a:xfrm>
+            <a:off x="1345223" y="1740876"/>
+            <a:ext cx="7781192" cy="2862322"/>
+          </a:xfrm>
+          <a:prstGeom prst="rect">
+            <a:avLst/>
+          </a:prstGeom>
+          <a:noFill/>
+        </p:spPr>
+        <p:txBody>
+          <a:bodyPr wrap="square" rtlCol="0">
+            <a:spAutoFit/>
+          </a:bodyPr>
+          <a:lstStyle/>
+          <a:p>
+            <a:r>
+              <a:rPr lang="ru-RU" sz="3600" dirty="0">
+                <a:latin typeface="Jost SemiBold" pitchFamily="2" charset="-52"/>
+                <a:ea typeface="Jost SemiBold" pitchFamily="2" charset="-52"/>
+              </a:rPr>
+              <a:t>Если у вас есть вопросы, то пишите мне в ВК или </a:t>
+            </a:r>
+            <a:r>
+              <a:rPr lang="en-US" sz="3600" dirty="0">
+                <a:latin typeface="Jost SemiBold" pitchFamily="2" charset="-52"/>
+                <a:ea typeface="Jost SemiBold" pitchFamily="2" charset="-52"/>
+              </a:rPr>
+              <a:t>Telegram!</a:t>
+            </a:r>
+          </a:p>
+          <a:p>
+            <a:endParaRPr lang="en-US" sz="3600" dirty="0">
+              <a:latin typeface="Jost SemiBold" pitchFamily="2" charset="-52"/>
+              <a:ea typeface="Jost SemiBold" pitchFamily="2" charset="-52"/>
+            </a:endParaRPr>
+          </a:p>
+          <a:p>
+            <a:r>
+              <a:rPr lang="ru-RU" sz="3600" dirty="0">
+                <a:latin typeface="Jost SemiBold" pitchFamily="2" charset="-52"/>
+                <a:ea typeface="Jost SemiBold" pitchFamily="2" charset="-52"/>
+              </a:rPr>
+              <a:t>Размыслов Константин. 2020 </a:t>
+            </a:r>
+            <a:r>
+              <a:rPr lang="en-US" sz="3600" dirty="0">
+                <a:latin typeface="Jost SemiBold" pitchFamily="2" charset="-52"/>
+                <a:ea typeface="Jost SemiBold" pitchFamily="2" charset="-52"/>
+              </a:rPr>
+              <a:t>yoitz@</a:t>
+            </a:r>
+            <a:endParaRPr lang="ru-RU" sz="3600" dirty="0">
+              <a:latin typeface="Jost SemiBold" pitchFamily="2" charset="-52"/>
+              <a:ea typeface="Jost SemiBold" pitchFamily="2" charset="-52"/>
+            </a:endParaRPr>
+          </a:p>
+        </p:txBody>
+      </p:sp>
+      <p:pic>
+        <p:nvPicPr>
+          <p:cNvPr id="3" name="Рисунок 2">
+            <a:extLst>
+              <a:ext uri="{FF2B5EF4-FFF2-40B4-BE49-F238E27FC236}">
+                <a16:creationId xmlns:a16="http://schemas.microsoft.com/office/drawing/2014/main" id="{42662197-46EF-4A4F-B7F6-54FFC5F42537}"/>
+              </a:ext>
+            </a:extLst>
+          </p:cNvPr>
+          <p:cNvPicPr>
+            <a:picLocks noChangeAspect="1"/>
+          </p:cNvPicPr>
+          <p:nvPr/>
+        </p:nvPicPr>
+        <p:blipFill>
+          <a:blip r:embed="rId2">
+            <a:extLst>
+              <a:ext uri="{28A0092B-C50C-407E-A947-70E740481C1C}">
+                <a14:useLocalDpi xmlns:a14="http://schemas.microsoft.com/office/drawing/2010/main" val="0"/>
+              </a:ext>
+              <a:ext uri="{96DAC541-7B7A-43D3-8B79-37D633B846F1}">
+                <asvg:svgBlip xmlns:asvg="http://schemas.microsoft.com/office/drawing/2016/SVG/main" r:embed="rId3"/>
+              </a:ext>
+            </a:extLst>
+          </a:blip>
+          <a:stretch>
+            <a:fillRect/>
+          </a:stretch>
+        </p:blipFill>
+        <p:spPr>
+          <a:xfrm>
+            <a:off x="8857231" y="440163"/>
+            <a:ext cx="2999489" cy="763796"/>
+          </a:xfrm>
+          <a:prstGeom prst="rect">
+            <a:avLst/>
+          </a:prstGeom>
+        </p:spPr>
+      </p:pic>
+    </p:spTree>
+    <p:extLst>
+      <p:ext uri="{BB962C8B-B14F-4D97-AF65-F5344CB8AC3E}">
+        <p14:creationId xmlns:p14="http://schemas.microsoft.com/office/powerpoint/2010/main" val="3513294991"/>
       </p:ext>
     </p:extLst>
   </p:cSld>
